--- a/slides/5_Publish.pptx
+++ b/slides/5_Publish.pptx
@@ -9,8 +9,10 @@
     <p:sldId id="461" r:id="rId3"/>
     <p:sldId id="462" r:id="rId4"/>
     <p:sldId id="463" r:id="rId5"/>
-    <p:sldId id="464" r:id="rId6"/>
-    <p:sldId id="524" r:id="rId7"/>
+    <p:sldId id="525" r:id="rId6"/>
+    <p:sldId id="464" r:id="rId7"/>
+    <p:sldId id="526" r:id="rId8"/>
+    <p:sldId id="524" r:id="rId9"/>
   </p:sldIdLst>
   <p:sldSz cx="12192000" cy="6858000"/>
   <p:notesSz cx="6858000" cy="9144000"/>
@@ -111,7 +113,7 @@
   </p:defaultTextStyle>
   <p:extLst>
     <p:ext uri="{EFAFB233-063F-42B5-8137-9DF3F51BA10A}">
-      <p15:sldGuideLst xmlns:p15="http://schemas.microsoft.com/office/powerpoint/2012/main"/>
+      <p15:sldGuideLst xmlns:p15="http://schemas.microsoft.com/office/powerpoint/2012/main" xmlns=""/>
     </p:ext>
   </p:extLst>
 </p:presentation>
@@ -840,7 +842,7 @@
             <a:fld id="{B61BEF0D-F0BB-DE4B-95CE-6DB70DBA9567}" type="datetimeFigureOut">
               <a:rPr lang="en-US" dirty="0"/>
               <a:pPr/>
-              <a:t>3/30/2021</a:t>
+              <a:t>6/7/2021</a:t>
             </a:fld>
             <a:endParaRPr lang="en-US" dirty="0"/>
           </a:p>
@@ -1088,7 +1090,7 @@
             <a:fld id="{B61BEF0D-F0BB-DE4B-95CE-6DB70DBA9567}" type="datetimeFigureOut">
               <a:rPr lang="en-US" dirty="0"/>
               <a:pPr/>
-              <a:t>3/30/2021</a:t>
+              <a:t>6/7/2021</a:t>
             </a:fld>
             <a:endParaRPr lang="en-US" dirty="0"/>
           </a:p>
@@ -1399,7 +1401,7 @@
             <a:fld id="{B61BEF0D-F0BB-DE4B-95CE-6DB70DBA9567}" type="datetimeFigureOut">
               <a:rPr lang="en-US" dirty="0"/>
               <a:pPr/>
-              <a:t>3/30/2021</a:t>
+              <a:t>6/7/2021</a:t>
             </a:fld>
             <a:endParaRPr lang="en-US" dirty="0"/>
           </a:p>
@@ -1737,7 +1739,7 @@
             <a:fld id="{B61BEF0D-F0BB-DE4B-95CE-6DB70DBA9567}" type="datetimeFigureOut">
               <a:rPr lang="en-US" dirty="0"/>
               <a:pPr/>
-              <a:t>3/30/2021</a:t>
+              <a:t>6/7/2021</a:t>
             </a:fld>
             <a:endParaRPr lang="en-US" dirty="0"/>
           </a:p>
@@ -2048,7 +2050,7 @@
             <a:fld id="{B61BEF0D-F0BB-DE4B-95CE-6DB70DBA9567}" type="datetimeFigureOut">
               <a:rPr lang="en-US" dirty="0"/>
               <a:pPr/>
-              <a:t>3/30/2021</a:t>
+              <a:t>6/7/2021</a:t>
             </a:fld>
             <a:endParaRPr lang="en-US" dirty="0"/>
           </a:p>
@@ -2438,7 +2440,7 @@
             <a:fld id="{B61BEF0D-F0BB-DE4B-95CE-6DB70DBA9567}" type="datetimeFigureOut">
               <a:rPr lang="en-US" dirty="0"/>
               <a:pPr/>
-              <a:t>3/30/2021</a:t>
+              <a:t>6/7/2021</a:t>
             </a:fld>
             <a:endParaRPr lang="en-US" dirty="0"/>
           </a:p>
@@ -2604,7 +2606,7 @@
           <a:p>
             <a:fld id="{55C6B4A9-1611-4792-9094-5F34BCA07E0B}" type="datetimeFigureOut">
               <a:rPr lang="en-US" dirty="0"/>
-              <a:t>3/30/2021</a:t>
+              <a:t>6/7/2021</a:t>
             </a:fld>
             <a:endParaRPr lang="en-US" dirty="0"/>
           </a:p>
@@ -2780,7 +2782,7 @@
             <a:fld id="{B61BEF0D-F0BB-DE4B-95CE-6DB70DBA9567}" type="datetimeFigureOut">
               <a:rPr lang="en-US" dirty="0"/>
               <a:pPr/>
-              <a:t>3/30/2021</a:t>
+              <a:t>6/7/2021</a:t>
             </a:fld>
             <a:endParaRPr lang="en-US" dirty="0"/>
           </a:p>
@@ -2953,7 +2955,7 @@
             <a:fld id="{B61BEF0D-F0BB-DE4B-95CE-6DB70DBA9567}" type="datetimeFigureOut">
               <a:rPr lang="en-US" dirty="0"/>
               <a:pPr/>
-              <a:t>3/30/2021</a:t>
+              <a:t>6/7/2021</a:t>
             </a:fld>
             <a:endParaRPr lang="en-US" dirty="0"/>
           </a:p>
@@ -3197,7 +3199,7 @@
             <a:fld id="{B61BEF0D-F0BB-DE4B-95CE-6DB70DBA9567}" type="datetimeFigureOut">
               <a:rPr lang="en-US" dirty="0"/>
               <a:pPr/>
-              <a:t>3/30/2021</a:t>
+              <a:t>6/7/2021</a:t>
             </a:fld>
             <a:endParaRPr lang="en-US" dirty="0"/>
           </a:p>
@@ -3425,7 +3427,7 @@
           <a:p>
             <a:fld id="{EB712588-04B1-427B-82EE-E8DB90309F08}" type="datetimeFigureOut">
               <a:rPr lang="en-US" dirty="0"/>
-              <a:t>3/30/2021</a:t>
+              <a:t>6/7/2021</a:t>
             </a:fld>
             <a:endParaRPr lang="en-US" dirty="0"/>
           </a:p>
@@ -3795,7 +3797,7 @@
             <a:fld id="{B61BEF0D-F0BB-DE4B-95CE-6DB70DBA9567}" type="datetimeFigureOut">
               <a:rPr lang="en-US" dirty="0"/>
               <a:pPr/>
-              <a:t>3/30/2021</a:t>
+              <a:t>6/7/2021</a:t>
             </a:fld>
             <a:endParaRPr lang="en-US" dirty="0"/>
           </a:p>
@@ -3915,7 +3917,7 @@
             <a:fld id="{B61BEF0D-F0BB-DE4B-95CE-6DB70DBA9567}" type="datetimeFigureOut">
               <a:rPr lang="en-US" dirty="0"/>
               <a:pPr/>
-              <a:t>3/30/2021</a:t>
+              <a:t>6/7/2021</a:t>
             </a:fld>
             <a:endParaRPr lang="en-US" dirty="0"/>
           </a:p>
@@ -4007,7 +4009,7 @@
             <a:fld id="{B61BEF0D-F0BB-DE4B-95CE-6DB70DBA9567}" type="datetimeFigureOut">
               <a:rPr lang="en-US" dirty="0"/>
               <a:pPr/>
-              <a:t>3/30/2021</a:t>
+              <a:t>6/7/2021</a:t>
             </a:fld>
             <a:endParaRPr lang="en-US" dirty="0"/>
           </a:p>
@@ -4258,7 +4260,7 @@
           <a:p>
             <a:fld id="{42A54C80-263E-416B-A8E0-580EDEADCBDC}" type="datetimeFigureOut">
               <a:rPr lang="en-US" dirty="0"/>
-              <a:t>3/30/2021</a:t>
+              <a:t>6/7/2021</a:t>
             </a:fld>
             <a:endParaRPr lang="en-US" dirty="0"/>
           </a:p>
@@ -4517,7 +4519,7 @@
             <a:fld id="{B61BEF0D-F0BB-DE4B-95CE-6DB70DBA9567}" type="datetimeFigureOut">
               <a:rPr lang="en-US" dirty="0"/>
               <a:pPr/>
-              <a:t>3/30/2021</a:t>
+              <a:t>6/7/2021</a:t>
             </a:fld>
             <a:endParaRPr lang="en-US" dirty="0"/>
           </a:p>
@@ -5257,7 +5259,7 @@
             <a:fld id="{B61BEF0D-F0BB-DE4B-95CE-6DB70DBA9567}" type="datetimeFigureOut">
               <a:rPr lang="en-US" dirty="0"/>
               <a:pPr/>
-              <a:t>3/30/2021</a:t>
+              <a:t>6/7/2021</a:t>
             </a:fld>
             <a:endParaRPr lang="en-US" dirty="0"/>
           </a:p>
@@ -6225,11 +6227,7 @@
             <a:pPr algn="ctr"/>
             <a:r>
               <a:rPr lang="en-US" dirty="0" smtClean="0"/>
-              <a:t>Presenting </a:t>
-            </a:r>
-            <a:r>
-              <a:rPr lang="en-US" dirty="0" smtClean="0"/>
-              <a:t>IBMs</a:t>
+              <a:t>Presenting IBMs</a:t>
             </a:r>
             <a:endParaRPr lang="fr-CA" dirty="0"/>
           </a:p>
@@ -6601,8 +6599,8 @@
         </p:nvSpPr>
         <p:spPr>
           <a:xfrm>
-            <a:off x="677333" y="577328"/>
-            <a:ext cx="9241217" cy="1320800"/>
+            <a:off x="677334" y="609600"/>
+            <a:ext cx="7742047" cy="1320800"/>
           </a:xfrm>
         </p:spPr>
         <p:txBody>
@@ -6611,11 +6609,74 @@
           <a:p>
             <a:r>
               <a:rPr lang="fr-CA" dirty="0" smtClean="0"/>
-              <a:t>Format to </a:t>
+              <a:t>The importance of the </a:t>
             </a:r>
             <a:r>
               <a:rPr lang="fr-CA" dirty="0" err="1" smtClean="0"/>
-              <a:t>present</a:t>
+              <a:t>diagram</a:t>
+            </a:r>
+            <a:endParaRPr lang="fr-CA" dirty="0"/>
+          </a:p>
+        </p:txBody>
+      </p:sp>
+      <p:sp>
+        <p:nvSpPr>
+          <p:cNvPr id="3" name="Espace réservé du contenu 2"/>
+          <p:cNvSpPr>
+            <a:spLocks noGrp="1"/>
+          </p:cNvSpPr>
+          <p:nvPr>
+            <p:ph idx="1"/>
+          </p:nvPr>
+        </p:nvSpPr>
+        <p:spPr>
+          <a:xfrm>
+            <a:off x="677334" y="1733909"/>
+            <a:ext cx="8596668" cy="4307453"/>
+          </a:xfrm>
+        </p:spPr>
+        <p:txBody>
+          <a:bodyPr/>
+          <a:lstStyle/>
+          <a:p>
+            <a:r>
+              <a:rPr lang="fr-CA" dirty="0" smtClean="0"/>
+              <a:t>Help to </a:t>
+            </a:r>
+            <a:r>
+              <a:rPr lang="fr-CA" dirty="0" err="1" smtClean="0"/>
+              <a:t>describe</a:t>
+            </a:r>
+            <a:r>
+              <a:rPr lang="fr-CA" dirty="0" smtClean="0"/>
+              <a:t>, </a:t>
+            </a:r>
+            <a:r>
+              <a:rPr lang="fr-CA" dirty="0" err="1" smtClean="0"/>
+              <a:t>explain</a:t>
+            </a:r>
+            <a:r>
+              <a:rPr lang="fr-CA" dirty="0" smtClean="0"/>
+              <a:t> and </a:t>
+            </a:r>
+            <a:r>
+              <a:rPr lang="fr-CA" dirty="0" err="1" smtClean="0"/>
+              <a:t>understand</a:t>
+            </a:r>
+            <a:r>
+              <a:rPr lang="fr-CA" dirty="0" smtClean="0"/>
+              <a:t> the model</a:t>
+            </a:r>
+          </a:p>
+          <a:p>
+            <a:pPr lvl="1"/>
+            <a:r>
+              <a:rPr lang="fr-CA" dirty="0" smtClean="0"/>
+              <a:t>For </a:t>
+            </a:r>
+            <a:r>
+              <a:rPr lang="fr-CA" dirty="0" err="1" smtClean="0"/>
+              <a:t>yourself</a:t>
             </a:r>
             <a:r>
               <a:rPr lang="fr-CA" dirty="0" smtClean="0"/>
@@ -6623,147 +6684,100 @@
             </a:r>
             <a:r>
               <a:rPr lang="fr-CA" dirty="0" err="1" smtClean="0"/>
-              <a:t>IBMs</a:t>
+              <a:t>now</a:t>
+            </a:r>
+            <a:r>
+              <a:rPr lang="fr-CA" dirty="0"/>
+              <a:t> </a:t>
             </a:r>
             <a:r>
               <a:rPr lang="fr-CA" dirty="0" smtClean="0"/>
-              <a:t> in </a:t>
+              <a:t>and </a:t>
             </a:r>
             <a:r>
               <a:rPr lang="fr-CA" dirty="0" err="1" smtClean="0"/>
-              <a:t>scientific</a:t>
+              <a:t>later</a:t>
             </a:r>
             <a:r>
               <a:rPr lang="fr-CA" dirty="0" smtClean="0"/>
-              <a:t> </a:t>
+              <a:t> and for futur </a:t>
             </a:r>
             <a:r>
               <a:rPr lang="fr-CA" dirty="0" err="1" smtClean="0"/>
-              <a:t>paper</a:t>
-            </a:r>
+              <a:t>users</a:t>
+            </a:r>
+            <a:endParaRPr lang="fr-CA" dirty="0" smtClean="0"/>
+          </a:p>
+          <a:p>
+            <a:r>
+              <a:rPr lang="fr-CA" dirty="0" smtClean="0"/>
+              <a:t>Help to code</a:t>
+            </a:r>
+          </a:p>
+          <a:p>
+            <a:pPr lvl="1"/>
+            <a:r>
+              <a:rPr lang="fr-CA" dirty="0" err="1" smtClean="0"/>
+              <a:t>Usually</a:t>
+            </a:r>
+            <a:r>
+              <a:rPr lang="fr-CA" dirty="0" smtClean="0"/>
+              <a:t> code blocks are </a:t>
+            </a:r>
+            <a:r>
+              <a:rPr lang="fr-CA" dirty="0" err="1" smtClean="0"/>
+              <a:t>similar</a:t>
+            </a:r>
+            <a:r>
+              <a:rPr lang="fr-CA" dirty="0" smtClean="0"/>
+              <a:t> to </a:t>
+            </a:r>
+            <a:r>
+              <a:rPr lang="fr-CA" dirty="0" err="1" smtClean="0"/>
+              <a:t>diagram</a:t>
+            </a:r>
+            <a:r>
+              <a:rPr lang="fr-CA" dirty="0" smtClean="0"/>
+              <a:t> blocks</a:t>
+            </a:r>
+          </a:p>
+          <a:p>
+            <a:r>
+              <a:rPr lang="fr-CA" dirty="0" smtClean="0"/>
+              <a:t>Help for </a:t>
+            </a:r>
+            <a:r>
+              <a:rPr lang="fr-CA" dirty="0" err="1" smtClean="0"/>
+              <a:t>later</a:t>
+            </a:r>
+            <a:r>
+              <a:rPr lang="fr-CA" dirty="0" smtClean="0"/>
+              <a:t> modifications</a:t>
+            </a:r>
+          </a:p>
+          <a:p>
+            <a:r>
+              <a:rPr lang="fr-CA" dirty="0" smtClean="0"/>
+              <a:t>Help to </a:t>
+            </a:r>
+            <a:r>
+              <a:rPr lang="fr-CA" dirty="0" err="1" smtClean="0"/>
+              <a:t>write</a:t>
+            </a:r>
+            <a:r>
+              <a:rPr lang="fr-CA" dirty="0" smtClean="0"/>
+              <a:t> the ODD</a:t>
+            </a:r>
+          </a:p>
+          <a:p>
             <a:endParaRPr lang="fr-CA" dirty="0"/>
           </a:p>
         </p:txBody>
       </p:sp>
-      <p:sp>
-        <p:nvSpPr>
-          <p:cNvPr id="3" name="Espace réservé du contenu 2"/>
-          <p:cNvSpPr>
-            <a:spLocks noGrp="1"/>
-          </p:cNvSpPr>
-          <p:nvPr>
-            <p:ph idx="1"/>
-          </p:nvPr>
-        </p:nvSpPr>
-        <p:spPr>
-          <a:xfrm>
-            <a:off x="677334" y="1678193"/>
-            <a:ext cx="8596668" cy="4363169"/>
-          </a:xfrm>
-        </p:spPr>
-        <p:txBody>
-          <a:bodyPr/>
-          <a:lstStyle/>
-          <a:p>
-            <a:r>
-              <a:rPr lang="en-US" dirty="0"/>
-              <a:t>Overview, Design concepts, and </a:t>
-            </a:r>
-            <a:r>
-              <a:rPr lang="en-US" dirty="0" smtClean="0"/>
-              <a:t>Details = ODD</a:t>
-            </a:r>
-            <a:endParaRPr lang="fr-CA" dirty="0"/>
-          </a:p>
-        </p:txBody>
-      </p:sp>
-      <p:pic>
-        <p:nvPicPr>
-          <p:cNvPr id="4" name="Image 3"/>
-          <p:cNvPicPr>
-            <a:picLocks noChangeAspect="1"/>
-          </p:cNvPicPr>
-          <p:nvPr/>
-        </p:nvPicPr>
-        <p:blipFill rotWithShape="1">
-          <a:blip r:embed="rId2"/>
-          <a:srcRect l="5921" t="34323" r="75860" b="25771"/>
-          <a:stretch/>
-        </p:blipFill>
-        <p:spPr>
-          <a:xfrm>
-            <a:off x="2059730" y="2071159"/>
-            <a:ext cx="3488729" cy="4776083"/>
-          </a:xfrm>
-          <a:prstGeom prst="rect">
-            <a:avLst/>
-          </a:prstGeom>
-        </p:spPr>
-      </p:pic>
-      <p:sp>
-        <p:nvSpPr>
-          <p:cNvPr id="5" name="ZoneTexte 4"/>
-          <p:cNvSpPr txBox="1"/>
-          <p:nvPr/>
-        </p:nvSpPr>
-        <p:spPr>
-          <a:xfrm>
-            <a:off x="8401561" y="6413589"/>
-            <a:ext cx="3685335" cy="369332"/>
-          </a:xfrm>
-          <a:prstGeom prst="rect">
-            <a:avLst/>
-          </a:prstGeom>
-          <a:noFill/>
-        </p:spPr>
-        <p:txBody>
-          <a:bodyPr wrap="square" rtlCol="0">
-            <a:spAutoFit/>
-          </a:bodyPr>
-          <a:lstStyle/>
-          <a:p>
-            <a:pPr algn="r"/>
-            <a:r>
-              <a:rPr lang="fr-FR" dirty="0" smtClean="0">
-                <a:latin typeface="Times New Roman" panose="02020603050405020304" pitchFamily="18" charset="0"/>
-                <a:cs typeface="Times New Roman" panose="02020603050405020304" pitchFamily="18" charset="0"/>
-              </a:rPr>
-              <a:t>Grimm et al., 2010</a:t>
-            </a:r>
-            <a:endParaRPr lang="fr-FR" dirty="0">
-              <a:latin typeface="Times New Roman" panose="02020603050405020304" pitchFamily="18" charset="0"/>
-              <a:cs typeface="Times New Roman" panose="02020603050405020304" pitchFamily="18" charset="0"/>
-            </a:endParaRPr>
-          </a:p>
-        </p:txBody>
-      </p:sp>
-      <p:pic>
-        <p:nvPicPr>
-          <p:cNvPr id="6" name="Image 5"/>
-          <p:cNvPicPr>
-            <a:picLocks noChangeAspect="1"/>
-          </p:cNvPicPr>
-          <p:nvPr/>
-        </p:nvPicPr>
-        <p:blipFill rotWithShape="1">
-          <a:blip r:embed="rId2"/>
-          <a:srcRect l="58348" t="34538" r="23759" b="25556"/>
-          <a:stretch/>
-        </p:blipFill>
-        <p:spPr>
-          <a:xfrm>
-            <a:off x="4856719" y="2092675"/>
-            <a:ext cx="3426508" cy="4776083"/>
-          </a:xfrm>
-          <a:prstGeom prst="rect">
-            <a:avLst/>
-          </a:prstGeom>
-        </p:spPr>
-      </p:pic>
     </p:spTree>
     <p:extLst>
       <p:ext uri="{BB962C8B-B14F-4D97-AF65-F5344CB8AC3E}">
-        <p14:creationId xmlns:p14="http://schemas.microsoft.com/office/powerpoint/2010/main" val="4257197028"/>
+        <p14:creationId xmlns:p14="http://schemas.microsoft.com/office/powerpoint/2010/main" val="4048404795"/>
       </p:ext>
     </p:extLst>
   </p:cSld>
@@ -6807,6 +6821,372 @@
             <p:ph type="title"/>
           </p:nvPr>
         </p:nvSpPr>
+        <p:spPr>
+          <a:xfrm>
+            <a:off x="677333" y="577328"/>
+            <a:ext cx="9122275" cy="1320800"/>
+          </a:xfrm>
+        </p:spPr>
+        <p:txBody>
+          <a:bodyPr/>
+          <a:lstStyle/>
+          <a:p>
+            <a:r>
+              <a:rPr lang="en-US" dirty="0"/>
+              <a:t>Overview, Design concepts, and Details </a:t>
+            </a:r>
+            <a:r>
+              <a:rPr lang="en-US" dirty="0" smtClean="0"/>
+              <a:t>(ODD)</a:t>
+            </a:r>
+            <a:endParaRPr lang="fr-CA" dirty="0"/>
+          </a:p>
+        </p:txBody>
+      </p:sp>
+      <p:pic>
+        <p:nvPicPr>
+          <p:cNvPr id="4" name="Image 3"/>
+          <p:cNvPicPr>
+            <a:picLocks noChangeAspect="1"/>
+          </p:cNvPicPr>
+          <p:nvPr/>
+        </p:nvPicPr>
+        <p:blipFill rotWithShape="1">
+          <a:blip r:embed="rId2"/>
+          <a:srcRect l="5921" t="34323" r="75860" b="25771"/>
+          <a:stretch/>
+        </p:blipFill>
+        <p:spPr>
+          <a:xfrm>
+            <a:off x="2447919" y="1985322"/>
+            <a:ext cx="3488729" cy="4776083"/>
+          </a:xfrm>
+          <a:prstGeom prst="rect">
+            <a:avLst/>
+          </a:prstGeom>
+        </p:spPr>
+      </p:pic>
+      <p:sp>
+        <p:nvSpPr>
+          <p:cNvPr id="5" name="ZoneTexte 4"/>
+          <p:cNvSpPr txBox="1"/>
+          <p:nvPr/>
+        </p:nvSpPr>
+        <p:spPr>
+          <a:xfrm>
+            <a:off x="8401561" y="6413589"/>
+            <a:ext cx="3685335" cy="369332"/>
+          </a:xfrm>
+          <a:prstGeom prst="rect">
+            <a:avLst/>
+          </a:prstGeom>
+          <a:noFill/>
+        </p:spPr>
+        <p:txBody>
+          <a:bodyPr wrap="square" rtlCol="0">
+            <a:spAutoFit/>
+          </a:bodyPr>
+          <a:lstStyle/>
+          <a:p>
+            <a:pPr algn="r"/>
+            <a:r>
+              <a:rPr lang="fr-FR" dirty="0" smtClean="0">
+                <a:latin typeface="Times New Roman" panose="02020603050405020304" pitchFamily="18" charset="0"/>
+                <a:cs typeface="Times New Roman" panose="02020603050405020304" pitchFamily="18" charset="0"/>
+              </a:rPr>
+              <a:t>Grimm et al., 2010</a:t>
+            </a:r>
+            <a:endParaRPr lang="fr-FR" dirty="0">
+              <a:latin typeface="Times New Roman" panose="02020603050405020304" pitchFamily="18" charset="0"/>
+              <a:cs typeface="Times New Roman" panose="02020603050405020304" pitchFamily="18" charset="0"/>
+            </a:endParaRPr>
+          </a:p>
+        </p:txBody>
+      </p:sp>
+      <p:pic>
+        <p:nvPicPr>
+          <p:cNvPr id="6" name="Image 5"/>
+          <p:cNvPicPr>
+            <a:picLocks noChangeAspect="1"/>
+          </p:cNvPicPr>
+          <p:nvPr/>
+        </p:nvPicPr>
+        <p:blipFill rotWithShape="1">
+          <a:blip r:embed="rId2"/>
+          <a:srcRect l="58348" t="34538" r="23759" b="25556"/>
+          <a:stretch/>
+        </p:blipFill>
+        <p:spPr>
+          <a:xfrm>
+            <a:off x="5244908" y="2006838"/>
+            <a:ext cx="3426508" cy="4776083"/>
+          </a:xfrm>
+          <a:prstGeom prst="rect">
+            <a:avLst/>
+          </a:prstGeom>
+        </p:spPr>
+      </p:pic>
+    </p:spTree>
+    <p:extLst>
+      <p:ext uri="{BB962C8B-B14F-4D97-AF65-F5344CB8AC3E}">
+        <p14:creationId xmlns:p14="http://schemas.microsoft.com/office/powerpoint/2010/main" val="4257197028"/>
+      </p:ext>
+    </p:extLst>
+  </p:cSld>
+  <p:clrMapOvr>
+    <a:masterClrMapping/>
+  </p:clrMapOvr>
+  <p:timing>
+    <p:tnLst>
+      <p:par>
+        <p:cTn id="1" dur="indefinite" restart="never" nodeType="tmRoot"/>
+      </p:par>
+    </p:tnLst>
+  </p:timing>
+</p:sld>
+</file>
+
+<file path=ppt/slides/slide7.xml><?xml version="1.0" encoding="utf-8"?>
+<p:sld xmlns:a="http://schemas.openxmlformats.org/drawingml/2006/main" xmlns:r="http://schemas.openxmlformats.org/officeDocument/2006/relationships" xmlns:p="http://schemas.openxmlformats.org/presentationml/2006/main">
+  <p:cSld>
+    <p:spTree>
+      <p:nvGrpSpPr>
+        <p:cNvPr id="1" name=""/>
+        <p:cNvGrpSpPr/>
+        <p:nvPr/>
+      </p:nvGrpSpPr>
+      <p:grpSpPr>
+        <a:xfrm>
+          <a:off x="0" y="0"/>
+          <a:ext cx="0" cy="0"/>
+          <a:chOff x="0" y="0"/>
+          <a:chExt cx="0" cy="0"/>
+        </a:xfrm>
+      </p:grpSpPr>
+      <p:sp>
+        <p:nvSpPr>
+          <p:cNvPr id="2" name="Titre 1"/>
+          <p:cNvSpPr>
+            <a:spLocks noGrp="1"/>
+          </p:cNvSpPr>
+          <p:nvPr>
+            <p:ph type="title"/>
+          </p:nvPr>
+        </p:nvSpPr>
+        <p:spPr>
+          <a:xfrm>
+            <a:off x="677334" y="609600"/>
+            <a:ext cx="9070515" cy="1320800"/>
+          </a:xfrm>
+        </p:spPr>
+        <p:txBody>
+          <a:bodyPr/>
+          <a:lstStyle/>
+          <a:p>
+            <a:r>
+              <a:rPr lang="en-US" dirty="0"/>
+              <a:t>Overview, Design concepts, and Details (ODD)</a:t>
+            </a:r>
+            <a:endParaRPr lang="fr-FR" dirty="0"/>
+          </a:p>
+        </p:txBody>
+      </p:sp>
+      <p:sp>
+        <p:nvSpPr>
+          <p:cNvPr id="3" name="Espace réservé du contenu 2"/>
+          <p:cNvSpPr>
+            <a:spLocks noGrp="1"/>
+          </p:cNvSpPr>
+          <p:nvPr>
+            <p:ph idx="1"/>
+          </p:nvPr>
+        </p:nvSpPr>
+        <p:spPr/>
+        <p:txBody>
+          <a:bodyPr/>
+          <a:lstStyle/>
+          <a:p>
+            <a:r>
+              <a:rPr lang="fr-CA" dirty="0" smtClean="0"/>
+              <a:t>« Official » format to </a:t>
+            </a:r>
+            <a:r>
+              <a:rPr lang="fr-CA" dirty="0" err="1" smtClean="0"/>
+              <a:t>present</a:t>
+            </a:r>
+            <a:r>
+              <a:rPr lang="fr-CA" dirty="0" smtClean="0"/>
+              <a:t> </a:t>
+            </a:r>
+            <a:r>
+              <a:rPr lang="fr-CA" dirty="0" err="1" smtClean="0"/>
+              <a:t>IBMs</a:t>
+            </a:r>
+            <a:r>
+              <a:rPr lang="fr-CA" dirty="0" smtClean="0"/>
+              <a:t> in </a:t>
+            </a:r>
+            <a:r>
+              <a:rPr lang="fr-CA" dirty="0" err="1" smtClean="0"/>
+              <a:t>scientific</a:t>
+            </a:r>
+            <a:r>
+              <a:rPr lang="fr-CA" dirty="0" smtClean="0"/>
+              <a:t> </a:t>
+            </a:r>
+            <a:r>
+              <a:rPr lang="fr-CA" dirty="0" err="1" smtClean="0"/>
+              <a:t>paper</a:t>
+            </a:r>
+            <a:endParaRPr lang="fr-CA" dirty="0" smtClean="0"/>
+          </a:p>
+          <a:p>
+            <a:pPr lvl="1"/>
+            <a:r>
+              <a:rPr lang="fr-CA" dirty="0"/>
+              <a:t>Short or </a:t>
+            </a:r>
+            <a:r>
+              <a:rPr lang="fr-CA" dirty="0" err="1"/>
+              <a:t>summarized</a:t>
+            </a:r>
+            <a:r>
+              <a:rPr lang="fr-CA" dirty="0"/>
+              <a:t> ODD in </a:t>
+            </a:r>
+            <a:r>
+              <a:rPr lang="fr-CA" dirty="0" err="1"/>
+              <a:t>Methods</a:t>
+            </a:r>
+            <a:endParaRPr lang="fr-CA" dirty="0"/>
+          </a:p>
+          <a:p>
+            <a:pPr lvl="1"/>
+            <a:r>
+              <a:rPr lang="fr-CA" dirty="0" smtClean="0"/>
+              <a:t>Full ODD in </a:t>
+            </a:r>
+            <a:r>
+              <a:rPr lang="fr-CA" dirty="0" err="1" smtClean="0"/>
+              <a:t>Appendix</a:t>
+            </a:r>
+            <a:r>
+              <a:rPr lang="fr-CA" dirty="0" smtClean="0"/>
+              <a:t> </a:t>
+            </a:r>
+            <a:r>
+              <a:rPr lang="fr-CA" dirty="0" err="1" smtClean="0"/>
+              <a:t>when</a:t>
+            </a:r>
+            <a:r>
+              <a:rPr lang="fr-CA" dirty="0" smtClean="0"/>
+              <a:t> long</a:t>
+            </a:r>
+          </a:p>
+          <a:p>
+            <a:r>
+              <a:rPr lang="fr-CA" dirty="0" smtClean="0"/>
+              <a:t>Help </a:t>
+            </a:r>
+            <a:r>
+              <a:rPr lang="fr-CA" dirty="0"/>
+              <a:t>to </a:t>
+            </a:r>
+            <a:r>
+              <a:rPr lang="fr-CA" dirty="0" err="1"/>
+              <a:t>describe</a:t>
+            </a:r>
+            <a:r>
+              <a:rPr lang="fr-CA" dirty="0"/>
+              <a:t>, </a:t>
+            </a:r>
+            <a:r>
+              <a:rPr lang="fr-CA" dirty="0" err="1"/>
+              <a:t>explain</a:t>
+            </a:r>
+            <a:r>
+              <a:rPr lang="fr-CA" dirty="0"/>
+              <a:t> and </a:t>
+            </a:r>
+            <a:r>
+              <a:rPr lang="fr-CA" dirty="0" err="1"/>
+              <a:t>understand</a:t>
+            </a:r>
+            <a:r>
+              <a:rPr lang="fr-CA" dirty="0"/>
+              <a:t> the </a:t>
+            </a:r>
+            <a:r>
+              <a:rPr lang="fr-CA" dirty="0" smtClean="0"/>
+              <a:t>model</a:t>
+            </a:r>
+          </a:p>
+          <a:p>
+            <a:pPr lvl="1"/>
+            <a:r>
+              <a:rPr lang="fr-CA" dirty="0" err="1" smtClean="0"/>
+              <a:t>Appreciated</a:t>
+            </a:r>
+            <a:r>
+              <a:rPr lang="fr-CA" dirty="0" smtClean="0"/>
+              <a:t> by the </a:t>
+            </a:r>
+            <a:r>
+              <a:rPr lang="fr-CA" dirty="0" err="1" smtClean="0"/>
+              <a:t>readers</a:t>
+            </a:r>
+            <a:r>
+              <a:rPr lang="fr-CA" dirty="0" smtClean="0"/>
+              <a:t> and IBM </a:t>
+            </a:r>
+            <a:r>
+              <a:rPr lang="fr-CA" dirty="0" err="1" smtClean="0"/>
+              <a:t>community</a:t>
+            </a:r>
+            <a:endParaRPr lang="fr-CA" dirty="0"/>
+          </a:p>
+        </p:txBody>
+      </p:sp>
+    </p:spTree>
+    <p:extLst>
+      <p:ext uri="{BB962C8B-B14F-4D97-AF65-F5344CB8AC3E}">
+        <p14:creationId xmlns:p14="http://schemas.microsoft.com/office/powerpoint/2010/main" val="1594160514"/>
+      </p:ext>
+    </p:extLst>
+  </p:cSld>
+  <p:clrMapOvr>
+    <a:masterClrMapping/>
+  </p:clrMapOvr>
+</p:sld>
+</file>
+
+<file path=ppt/slides/slide8.xml><?xml version="1.0" encoding="utf-8"?>
+<p:sld xmlns:a="http://schemas.openxmlformats.org/drawingml/2006/main" xmlns:r="http://schemas.openxmlformats.org/officeDocument/2006/relationships" xmlns:p="http://schemas.openxmlformats.org/presentationml/2006/main">
+  <p:cSld>
+    <p:spTree>
+      <p:nvGrpSpPr>
+        <p:cNvPr id="1" name=""/>
+        <p:cNvGrpSpPr/>
+        <p:nvPr/>
+      </p:nvGrpSpPr>
+      <p:grpSpPr>
+        <a:xfrm>
+          <a:off x="0" y="0"/>
+          <a:ext cx="0" cy="0"/>
+          <a:chOff x="0" y="0"/>
+          <a:chExt cx="0" cy="0"/>
+        </a:xfrm>
+      </p:grpSpPr>
+      <p:sp>
+        <p:nvSpPr>
+          <p:cNvPr id="2" name="Titre 1"/>
+          <p:cNvSpPr>
+            <a:spLocks noGrp="1"/>
+          </p:cNvSpPr>
+          <p:nvPr>
+            <p:ph type="title"/>
+          </p:nvPr>
+        </p:nvSpPr>
         <p:spPr/>
         <p:txBody>
           <a:bodyPr/>
@@ -6851,7 +7231,6 @@
               <a:rPr lang="pt-BR" b="1" u="sng" dirty="0" smtClean="0"/>
               <a:t>ODD</a:t>
             </a:r>
-            <a:endParaRPr lang="pt-BR" b="1" u="sng" dirty="0" smtClean="0"/>
           </a:p>
           <a:p>
             <a:pPr>
@@ -7182,7 +7561,7 @@
   <a:extraClrSchemeLst/>
   <a:extLst>
     <a:ext uri="{05A4C25C-085E-4340-85A3-A5531E510DB2}">
-      <thm15:themeFamily xmlns:thm15="http://schemas.microsoft.com/office/thememl/2012/main" name="Facet" id="{C0C680CD-088A-49FC-A102-D699147F32B2}" vid="{CFBC31BA-B70F-4F30-BCAA-4F3011E16C4D}"/>
+      <thm15:themeFamily xmlns:thm15="http://schemas.microsoft.com/office/thememl/2012/main" xmlns="" name="Facet" id="{C0C680CD-088A-49FC-A102-D699147F32B2}" vid="{CFBC31BA-B70F-4F30-BCAA-4F3011E16C4D}"/>
     </a:ext>
   </a:extLst>
 </a:theme>

--- a/slides/5_Publish.pptx
+++ b/slides/5_Publish.pptx
@@ -113,7 +113,7 @@
   </p:defaultTextStyle>
   <p:extLst>
     <p:ext uri="{EFAFB233-063F-42B5-8137-9DF3F51BA10A}">
-      <p15:sldGuideLst xmlns:p15="http://schemas.microsoft.com/office/powerpoint/2012/main" xmlns=""/>
+      <p15:sldGuideLst xmlns="" xmlns:p15="http://schemas.microsoft.com/office/powerpoint/2012/main"/>
     </p:ext>
   </p:extLst>
 </p:presentation>
@@ -842,7 +842,7 @@
             <a:fld id="{B61BEF0D-F0BB-DE4B-95CE-6DB70DBA9567}" type="datetimeFigureOut">
               <a:rPr lang="en-US" dirty="0"/>
               <a:pPr/>
-              <a:t>6/7/2021</a:t>
+              <a:t>6/8/2021</a:t>
             </a:fld>
             <a:endParaRPr lang="en-US" dirty="0"/>
           </a:p>
@@ -1090,7 +1090,7 @@
             <a:fld id="{B61BEF0D-F0BB-DE4B-95CE-6DB70DBA9567}" type="datetimeFigureOut">
               <a:rPr lang="en-US" dirty="0"/>
               <a:pPr/>
-              <a:t>6/7/2021</a:t>
+              <a:t>6/8/2021</a:t>
             </a:fld>
             <a:endParaRPr lang="en-US" dirty="0"/>
           </a:p>
@@ -1401,7 +1401,7 @@
             <a:fld id="{B61BEF0D-F0BB-DE4B-95CE-6DB70DBA9567}" type="datetimeFigureOut">
               <a:rPr lang="en-US" dirty="0"/>
               <a:pPr/>
-              <a:t>6/7/2021</a:t>
+              <a:t>6/8/2021</a:t>
             </a:fld>
             <a:endParaRPr lang="en-US" dirty="0"/>
           </a:p>
@@ -1739,7 +1739,7 @@
             <a:fld id="{B61BEF0D-F0BB-DE4B-95CE-6DB70DBA9567}" type="datetimeFigureOut">
               <a:rPr lang="en-US" dirty="0"/>
               <a:pPr/>
-              <a:t>6/7/2021</a:t>
+              <a:t>6/8/2021</a:t>
             </a:fld>
             <a:endParaRPr lang="en-US" dirty="0"/>
           </a:p>
@@ -2050,7 +2050,7 @@
             <a:fld id="{B61BEF0D-F0BB-DE4B-95CE-6DB70DBA9567}" type="datetimeFigureOut">
               <a:rPr lang="en-US" dirty="0"/>
               <a:pPr/>
-              <a:t>6/7/2021</a:t>
+              <a:t>6/8/2021</a:t>
             </a:fld>
             <a:endParaRPr lang="en-US" dirty="0"/>
           </a:p>
@@ -2440,7 +2440,7 @@
             <a:fld id="{B61BEF0D-F0BB-DE4B-95CE-6DB70DBA9567}" type="datetimeFigureOut">
               <a:rPr lang="en-US" dirty="0"/>
               <a:pPr/>
-              <a:t>6/7/2021</a:t>
+              <a:t>6/8/2021</a:t>
             </a:fld>
             <a:endParaRPr lang="en-US" dirty="0"/>
           </a:p>
@@ -2606,7 +2606,7 @@
           <a:p>
             <a:fld id="{55C6B4A9-1611-4792-9094-5F34BCA07E0B}" type="datetimeFigureOut">
               <a:rPr lang="en-US" dirty="0"/>
-              <a:t>6/7/2021</a:t>
+              <a:t>6/8/2021</a:t>
             </a:fld>
             <a:endParaRPr lang="en-US" dirty="0"/>
           </a:p>
@@ -2782,7 +2782,7 @@
             <a:fld id="{B61BEF0D-F0BB-DE4B-95CE-6DB70DBA9567}" type="datetimeFigureOut">
               <a:rPr lang="en-US" dirty="0"/>
               <a:pPr/>
-              <a:t>6/7/2021</a:t>
+              <a:t>6/8/2021</a:t>
             </a:fld>
             <a:endParaRPr lang="en-US" dirty="0"/>
           </a:p>
@@ -2955,7 +2955,7 @@
             <a:fld id="{B61BEF0D-F0BB-DE4B-95CE-6DB70DBA9567}" type="datetimeFigureOut">
               <a:rPr lang="en-US" dirty="0"/>
               <a:pPr/>
-              <a:t>6/7/2021</a:t>
+              <a:t>6/8/2021</a:t>
             </a:fld>
             <a:endParaRPr lang="en-US" dirty="0"/>
           </a:p>
@@ -3199,7 +3199,7 @@
             <a:fld id="{B61BEF0D-F0BB-DE4B-95CE-6DB70DBA9567}" type="datetimeFigureOut">
               <a:rPr lang="en-US" dirty="0"/>
               <a:pPr/>
-              <a:t>6/7/2021</a:t>
+              <a:t>6/8/2021</a:t>
             </a:fld>
             <a:endParaRPr lang="en-US" dirty="0"/>
           </a:p>
@@ -3427,7 +3427,7 @@
           <a:p>
             <a:fld id="{EB712588-04B1-427B-82EE-E8DB90309F08}" type="datetimeFigureOut">
               <a:rPr lang="en-US" dirty="0"/>
-              <a:t>6/7/2021</a:t>
+              <a:t>6/8/2021</a:t>
             </a:fld>
             <a:endParaRPr lang="en-US" dirty="0"/>
           </a:p>
@@ -3797,7 +3797,7 @@
             <a:fld id="{B61BEF0D-F0BB-DE4B-95CE-6DB70DBA9567}" type="datetimeFigureOut">
               <a:rPr lang="en-US" dirty="0"/>
               <a:pPr/>
-              <a:t>6/7/2021</a:t>
+              <a:t>6/8/2021</a:t>
             </a:fld>
             <a:endParaRPr lang="en-US" dirty="0"/>
           </a:p>
@@ -3917,7 +3917,7 @@
             <a:fld id="{B61BEF0D-F0BB-DE4B-95CE-6DB70DBA9567}" type="datetimeFigureOut">
               <a:rPr lang="en-US" dirty="0"/>
               <a:pPr/>
-              <a:t>6/7/2021</a:t>
+              <a:t>6/8/2021</a:t>
             </a:fld>
             <a:endParaRPr lang="en-US" dirty="0"/>
           </a:p>
@@ -4009,7 +4009,7 @@
             <a:fld id="{B61BEF0D-F0BB-DE4B-95CE-6DB70DBA9567}" type="datetimeFigureOut">
               <a:rPr lang="en-US" dirty="0"/>
               <a:pPr/>
-              <a:t>6/7/2021</a:t>
+              <a:t>6/8/2021</a:t>
             </a:fld>
             <a:endParaRPr lang="en-US" dirty="0"/>
           </a:p>
@@ -4260,7 +4260,7 @@
           <a:p>
             <a:fld id="{42A54C80-263E-416B-A8E0-580EDEADCBDC}" type="datetimeFigureOut">
               <a:rPr lang="en-US" dirty="0"/>
-              <a:t>6/7/2021</a:t>
+              <a:t>6/8/2021</a:t>
             </a:fld>
             <a:endParaRPr lang="en-US" dirty="0"/>
           </a:p>
@@ -4519,7 +4519,7 @@
             <a:fld id="{B61BEF0D-F0BB-DE4B-95CE-6DB70DBA9567}" type="datetimeFigureOut">
               <a:rPr lang="en-US" dirty="0"/>
               <a:pPr/>
-              <a:t>6/7/2021</a:t>
+              <a:t>6/8/2021</a:t>
             </a:fld>
             <a:endParaRPr lang="en-US" dirty="0"/>
           </a:p>
@@ -5259,7 +5259,7 @@
             <a:fld id="{B61BEF0D-F0BB-DE4B-95CE-6DB70DBA9567}" type="datetimeFigureOut">
               <a:rPr lang="en-US" dirty="0"/>
               <a:pPr/>
-              <a:t>6/7/2021</a:t>
+              <a:t>6/8/2021</a:t>
             </a:fld>
             <a:endParaRPr lang="en-US" dirty="0"/>
           </a:p>
@@ -6640,8 +6640,16 @@
           <a:lstStyle/>
           <a:p>
             <a:r>
+              <a:rPr lang="fr-CA" dirty="0" err="1" smtClean="0"/>
+              <a:t>Helps</a:t>
+            </a:r>
+            <a:r>
               <a:rPr lang="fr-CA" dirty="0" smtClean="0"/>
-              <a:t>Help to </a:t>
+              <a:t> </a:t>
+            </a:r>
+            <a:r>
+              <a:rPr lang="fr-CA" dirty="0" smtClean="0"/>
+              <a:t>to </a:t>
             </a:r>
             <a:r>
               <a:rPr lang="fr-CA" dirty="0" err="1" smtClean="0"/>
@@ -6710,8 +6718,16 @@
           </a:p>
           <a:p>
             <a:r>
+              <a:rPr lang="fr-CA" dirty="0" err="1" smtClean="0"/>
+              <a:t>Helps</a:t>
+            </a:r>
+            <a:r>
               <a:rPr lang="fr-CA" dirty="0" smtClean="0"/>
-              <a:t>Help to code</a:t>
+              <a:t> </a:t>
+            </a:r>
+            <a:r>
+              <a:rPr lang="fr-CA" dirty="0" smtClean="0"/>
+              <a:t>to code</a:t>
             </a:r>
           </a:p>
           <a:p>
@@ -6743,8 +6759,16 @@
           </a:p>
           <a:p>
             <a:r>
+              <a:rPr lang="fr-CA" dirty="0" err="1" smtClean="0"/>
+              <a:t>Helps</a:t>
+            </a:r>
+            <a:r>
               <a:rPr lang="fr-CA" dirty="0" smtClean="0"/>
-              <a:t>Help for </a:t>
+              <a:t> </a:t>
+            </a:r>
+            <a:r>
+              <a:rPr lang="fr-CA" dirty="0" smtClean="0"/>
+              <a:t>for </a:t>
             </a:r>
             <a:r>
               <a:rPr lang="fr-CA" dirty="0" err="1" smtClean="0"/>
@@ -6757,8 +6781,16 @@
           </a:p>
           <a:p>
             <a:r>
+              <a:rPr lang="fr-CA" dirty="0" err="1" smtClean="0"/>
+              <a:t>Helps</a:t>
+            </a:r>
+            <a:r>
               <a:rPr lang="fr-CA" dirty="0" smtClean="0"/>
-              <a:t>Help to </a:t>
+              <a:t> </a:t>
+            </a:r>
+            <a:r>
+              <a:rPr lang="fr-CA" dirty="0" smtClean="0"/>
+              <a:t>to </a:t>
             </a:r>
             <a:r>
               <a:rPr lang="fr-CA" dirty="0" err="1" smtClean="0"/>
@@ -7085,8 +7117,8 @@
           </a:p>
           <a:p>
             <a:r>
-              <a:rPr lang="fr-CA" dirty="0" smtClean="0"/>
-              <a:t>Help </a:t>
+              <a:rPr lang="fr-CA" smtClean="0"/>
+              <a:t>Helps </a:t>
             </a:r>
             <a:r>
               <a:rPr lang="fr-CA" dirty="0"/>
@@ -7561,7 +7593,7 @@
   <a:extraClrSchemeLst/>
   <a:extLst>
     <a:ext uri="{05A4C25C-085E-4340-85A3-A5531E510DB2}">
-      <thm15:themeFamily xmlns:thm15="http://schemas.microsoft.com/office/thememl/2012/main" xmlns="" name="Facet" id="{C0C680CD-088A-49FC-A102-D699147F32B2}" vid="{CFBC31BA-B70F-4F30-BCAA-4F3011E16C4D}"/>
+      <thm15:themeFamily xmlns="" xmlns:thm15="http://schemas.microsoft.com/office/thememl/2012/main" name="Facet" id="{C0C680CD-088A-49FC-A102-D699147F32B2}" vid="{CFBC31BA-B70F-4F30-BCAA-4F3011E16C4D}"/>
     </a:ext>
   </a:extLst>
 </a:theme>

--- a/slides/5_Publish.pptx
+++ b/slides/5_Publish.pptx
@@ -113,7 +113,18 @@
   </p:defaultTextStyle>
   <p:extLst>
     <p:ext uri="{EFAFB233-063F-42B5-8137-9DF3F51BA10A}">
-      <p15:sldGuideLst xmlns="" xmlns:p15="http://schemas.microsoft.com/office/powerpoint/2012/main"/>
+      <p15:sldGuideLst xmlns:p15="http://schemas.microsoft.com/office/powerpoint/2012/main">
+        <p15:guide id="1" orient="horz" pos="2160">
+          <p15:clr>
+            <a:srgbClr val="A4A3A4"/>
+          </p15:clr>
+        </p15:guide>
+        <p15:guide id="2" pos="3840">
+          <p15:clr>
+            <a:srgbClr val="A4A3A4"/>
+          </p15:clr>
+        </p15:guide>
+      </p15:sldGuideLst>
     </p:ext>
   </p:extLst>
 </p:presentation>
@@ -842,7 +853,7 @@
             <a:fld id="{B61BEF0D-F0BB-DE4B-95CE-6DB70DBA9567}" type="datetimeFigureOut">
               <a:rPr lang="en-US" dirty="0"/>
               <a:pPr/>
-              <a:t>6/8/2021</a:t>
+              <a:t>6/15/2021</a:t>
             </a:fld>
             <a:endParaRPr lang="en-US" dirty="0"/>
           </a:p>
@@ -1090,7 +1101,7 @@
             <a:fld id="{B61BEF0D-F0BB-DE4B-95CE-6DB70DBA9567}" type="datetimeFigureOut">
               <a:rPr lang="en-US" dirty="0"/>
               <a:pPr/>
-              <a:t>6/8/2021</a:t>
+              <a:t>6/15/2021</a:t>
             </a:fld>
             <a:endParaRPr lang="en-US" dirty="0"/>
           </a:p>
@@ -1401,7 +1412,7 @@
             <a:fld id="{B61BEF0D-F0BB-DE4B-95CE-6DB70DBA9567}" type="datetimeFigureOut">
               <a:rPr lang="en-US" dirty="0"/>
               <a:pPr/>
-              <a:t>6/8/2021</a:t>
+              <a:t>6/15/2021</a:t>
             </a:fld>
             <a:endParaRPr lang="en-US" dirty="0"/>
           </a:p>
@@ -1739,7 +1750,7 @@
             <a:fld id="{B61BEF0D-F0BB-DE4B-95CE-6DB70DBA9567}" type="datetimeFigureOut">
               <a:rPr lang="en-US" dirty="0"/>
               <a:pPr/>
-              <a:t>6/8/2021</a:t>
+              <a:t>6/15/2021</a:t>
             </a:fld>
             <a:endParaRPr lang="en-US" dirty="0"/>
           </a:p>
@@ -2050,7 +2061,7 @@
             <a:fld id="{B61BEF0D-F0BB-DE4B-95CE-6DB70DBA9567}" type="datetimeFigureOut">
               <a:rPr lang="en-US" dirty="0"/>
               <a:pPr/>
-              <a:t>6/8/2021</a:t>
+              <a:t>6/15/2021</a:t>
             </a:fld>
             <a:endParaRPr lang="en-US" dirty="0"/>
           </a:p>
@@ -2440,7 +2451,7 @@
             <a:fld id="{B61BEF0D-F0BB-DE4B-95CE-6DB70DBA9567}" type="datetimeFigureOut">
               <a:rPr lang="en-US" dirty="0"/>
               <a:pPr/>
-              <a:t>6/8/2021</a:t>
+              <a:t>6/15/2021</a:t>
             </a:fld>
             <a:endParaRPr lang="en-US" dirty="0"/>
           </a:p>
@@ -2606,7 +2617,7 @@
           <a:p>
             <a:fld id="{55C6B4A9-1611-4792-9094-5F34BCA07E0B}" type="datetimeFigureOut">
               <a:rPr lang="en-US" dirty="0"/>
-              <a:t>6/8/2021</a:t>
+              <a:t>6/15/2021</a:t>
             </a:fld>
             <a:endParaRPr lang="en-US" dirty="0"/>
           </a:p>
@@ -2782,7 +2793,7 @@
             <a:fld id="{B61BEF0D-F0BB-DE4B-95CE-6DB70DBA9567}" type="datetimeFigureOut">
               <a:rPr lang="en-US" dirty="0"/>
               <a:pPr/>
-              <a:t>6/8/2021</a:t>
+              <a:t>6/15/2021</a:t>
             </a:fld>
             <a:endParaRPr lang="en-US" dirty="0"/>
           </a:p>
@@ -2955,7 +2966,7 @@
             <a:fld id="{B61BEF0D-F0BB-DE4B-95CE-6DB70DBA9567}" type="datetimeFigureOut">
               <a:rPr lang="en-US" dirty="0"/>
               <a:pPr/>
-              <a:t>6/8/2021</a:t>
+              <a:t>6/15/2021</a:t>
             </a:fld>
             <a:endParaRPr lang="en-US" dirty="0"/>
           </a:p>
@@ -3199,7 +3210,7 @@
             <a:fld id="{B61BEF0D-F0BB-DE4B-95CE-6DB70DBA9567}" type="datetimeFigureOut">
               <a:rPr lang="en-US" dirty="0"/>
               <a:pPr/>
-              <a:t>6/8/2021</a:t>
+              <a:t>6/15/2021</a:t>
             </a:fld>
             <a:endParaRPr lang="en-US" dirty="0"/>
           </a:p>
@@ -3427,7 +3438,7 @@
           <a:p>
             <a:fld id="{EB712588-04B1-427B-82EE-E8DB90309F08}" type="datetimeFigureOut">
               <a:rPr lang="en-US" dirty="0"/>
-              <a:t>6/8/2021</a:t>
+              <a:t>6/15/2021</a:t>
             </a:fld>
             <a:endParaRPr lang="en-US" dirty="0"/>
           </a:p>
@@ -3797,7 +3808,7 @@
             <a:fld id="{B61BEF0D-F0BB-DE4B-95CE-6DB70DBA9567}" type="datetimeFigureOut">
               <a:rPr lang="en-US" dirty="0"/>
               <a:pPr/>
-              <a:t>6/8/2021</a:t>
+              <a:t>6/15/2021</a:t>
             </a:fld>
             <a:endParaRPr lang="en-US" dirty="0"/>
           </a:p>
@@ -3917,7 +3928,7 @@
             <a:fld id="{B61BEF0D-F0BB-DE4B-95CE-6DB70DBA9567}" type="datetimeFigureOut">
               <a:rPr lang="en-US" dirty="0"/>
               <a:pPr/>
-              <a:t>6/8/2021</a:t>
+              <a:t>6/15/2021</a:t>
             </a:fld>
             <a:endParaRPr lang="en-US" dirty="0"/>
           </a:p>
@@ -4009,7 +4020,7 @@
             <a:fld id="{B61BEF0D-F0BB-DE4B-95CE-6DB70DBA9567}" type="datetimeFigureOut">
               <a:rPr lang="en-US" dirty="0"/>
               <a:pPr/>
-              <a:t>6/8/2021</a:t>
+              <a:t>6/15/2021</a:t>
             </a:fld>
             <a:endParaRPr lang="en-US" dirty="0"/>
           </a:p>
@@ -4260,7 +4271,7 @@
           <a:p>
             <a:fld id="{42A54C80-263E-416B-A8E0-580EDEADCBDC}" type="datetimeFigureOut">
               <a:rPr lang="en-US" dirty="0"/>
-              <a:t>6/8/2021</a:t>
+              <a:t>6/15/2021</a:t>
             </a:fld>
             <a:endParaRPr lang="en-US" dirty="0"/>
           </a:p>
@@ -4519,7 +4530,7 @@
             <a:fld id="{B61BEF0D-F0BB-DE4B-95CE-6DB70DBA9567}" type="datetimeFigureOut">
               <a:rPr lang="en-US" dirty="0"/>
               <a:pPr/>
-              <a:t>6/8/2021</a:t>
+              <a:t>6/15/2021</a:t>
             </a:fld>
             <a:endParaRPr lang="en-US" dirty="0"/>
           </a:p>
@@ -5259,7 +5270,7 @@
             <a:fld id="{B61BEF0D-F0BB-DE4B-95CE-6DB70DBA9567}" type="datetimeFigureOut">
               <a:rPr lang="en-US" dirty="0"/>
               <a:pPr/>
-              <a:t>6/8/2021</a:t>
+              <a:t>6/15/2021</a:t>
             </a:fld>
             <a:endParaRPr lang="en-US" dirty="0"/>
           </a:p>
@@ -6645,11 +6656,7 @@
             </a:r>
             <a:r>
               <a:rPr lang="fr-CA" dirty="0" smtClean="0"/>
-              <a:t> </a:t>
-            </a:r>
-            <a:r>
-              <a:rPr lang="fr-CA" dirty="0" smtClean="0"/>
-              <a:t>to </a:t>
+              <a:t> to </a:t>
             </a:r>
             <a:r>
               <a:rPr lang="fr-CA" dirty="0" err="1" smtClean="0"/>
@@ -6708,7 +6715,11 @@
             </a:r>
             <a:r>
               <a:rPr lang="fr-CA" dirty="0" smtClean="0"/>
-              <a:t> and for futur </a:t>
+              <a:t> and for </a:t>
+            </a:r>
+            <a:r>
+              <a:rPr lang="fr-CA" dirty="0" smtClean="0"/>
+              <a:t>future </a:t>
             </a:r>
             <a:r>
               <a:rPr lang="fr-CA" dirty="0" err="1" smtClean="0"/>
@@ -6723,11 +6734,7 @@
             </a:r>
             <a:r>
               <a:rPr lang="fr-CA" dirty="0" smtClean="0"/>
-              <a:t> </a:t>
-            </a:r>
-            <a:r>
-              <a:rPr lang="fr-CA" dirty="0" smtClean="0"/>
-              <a:t>to code</a:t>
+              <a:t> to code</a:t>
             </a:r>
           </a:p>
           <a:p>
@@ -6764,11 +6771,7 @@
             </a:r>
             <a:r>
               <a:rPr lang="fr-CA" dirty="0" smtClean="0"/>
-              <a:t> </a:t>
-            </a:r>
-            <a:r>
-              <a:rPr lang="fr-CA" dirty="0" smtClean="0"/>
-              <a:t>for </a:t>
+              <a:t> for </a:t>
             </a:r>
             <a:r>
               <a:rPr lang="fr-CA" dirty="0" err="1" smtClean="0"/>
@@ -6786,11 +6789,7 @@
             </a:r>
             <a:r>
               <a:rPr lang="fr-CA" dirty="0" smtClean="0"/>
-              <a:t> </a:t>
-            </a:r>
-            <a:r>
-              <a:rPr lang="fr-CA" dirty="0" smtClean="0"/>
-              <a:t>to </a:t>
+              <a:t> to </a:t>
             </a:r>
             <a:r>
               <a:rPr lang="fr-CA" dirty="0" err="1" smtClean="0"/>
@@ -7593,7 +7592,7 @@
   <a:extraClrSchemeLst/>
   <a:extLst>
     <a:ext uri="{05A4C25C-085E-4340-85A3-A5531E510DB2}">
-      <thm15:themeFamily xmlns="" xmlns:thm15="http://schemas.microsoft.com/office/thememl/2012/main" name="Facet" id="{C0C680CD-088A-49FC-A102-D699147F32B2}" vid="{CFBC31BA-B70F-4F30-BCAA-4F3011E16C4D}"/>
+      <thm15:themeFamily xmlns:thm15="http://schemas.microsoft.com/office/thememl/2012/main" name="Facet" id="{C0C680CD-088A-49FC-A102-D699147F32B2}" vid="{CFBC31BA-B70F-4F30-BCAA-4F3011E16C4D}"/>
     </a:ext>
   </a:extLst>
 </a:theme>

--- a/slides/5_Publish.pptx
+++ b/slides/5_Publish.pptx
@@ -853,7 +853,7 @@
             <a:fld id="{B61BEF0D-F0BB-DE4B-95CE-6DB70DBA9567}" type="datetimeFigureOut">
               <a:rPr lang="en-US" dirty="0"/>
               <a:pPr/>
-              <a:t>6/15/2021</a:t>
+              <a:t>6/16/2021</a:t>
             </a:fld>
             <a:endParaRPr lang="en-US" dirty="0"/>
           </a:p>
@@ -1101,7 +1101,7 @@
             <a:fld id="{B61BEF0D-F0BB-DE4B-95CE-6DB70DBA9567}" type="datetimeFigureOut">
               <a:rPr lang="en-US" dirty="0"/>
               <a:pPr/>
-              <a:t>6/15/2021</a:t>
+              <a:t>6/16/2021</a:t>
             </a:fld>
             <a:endParaRPr lang="en-US" dirty="0"/>
           </a:p>
@@ -1412,7 +1412,7 @@
             <a:fld id="{B61BEF0D-F0BB-DE4B-95CE-6DB70DBA9567}" type="datetimeFigureOut">
               <a:rPr lang="en-US" dirty="0"/>
               <a:pPr/>
-              <a:t>6/15/2021</a:t>
+              <a:t>6/16/2021</a:t>
             </a:fld>
             <a:endParaRPr lang="en-US" dirty="0"/>
           </a:p>
@@ -1750,7 +1750,7 @@
             <a:fld id="{B61BEF0D-F0BB-DE4B-95CE-6DB70DBA9567}" type="datetimeFigureOut">
               <a:rPr lang="en-US" dirty="0"/>
               <a:pPr/>
-              <a:t>6/15/2021</a:t>
+              <a:t>6/16/2021</a:t>
             </a:fld>
             <a:endParaRPr lang="en-US" dirty="0"/>
           </a:p>
@@ -2061,7 +2061,7 @@
             <a:fld id="{B61BEF0D-F0BB-DE4B-95CE-6DB70DBA9567}" type="datetimeFigureOut">
               <a:rPr lang="en-US" dirty="0"/>
               <a:pPr/>
-              <a:t>6/15/2021</a:t>
+              <a:t>6/16/2021</a:t>
             </a:fld>
             <a:endParaRPr lang="en-US" dirty="0"/>
           </a:p>
@@ -2451,7 +2451,7 @@
             <a:fld id="{B61BEF0D-F0BB-DE4B-95CE-6DB70DBA9567}" type="datetimeFigureOut">
               <a:rPr lang="en-US" dirty="0"/>
               <a:pPr/>
-              <a:t>6/15/2021</a:t>
+              <a:t>6/16/2021</a:t>
             </a:fld>
             <a:endParaRPr lang="en-US" dirty="0"/>
           </a:p>
@@ -2617,7 +2617,7 @@
           <a:p>
             <a:fld id="{55C6B4A9-1611-4792-9094-5F34BCA07E0B}" type="datetimeFigureOut">
               <a:rPr lang="en-US" dirty="0"/>
-              <a:t>6/15/2021</a:t>
+              <a:t>6/16/2021</a:t>
             </a:fld>
             <a:endParaRPr lang="en-US" dirty="0"/>
           </a:p>
@@ -2793,7 +2793,7 @@
             <a:fld id="{B61BEF0D-F0BB-DE4B-95CE-6DB70DBA9567}" type="datetimeFigureOut">
               <a:rPr lang="en-US" dirty="0"/>
               <a:pPr/>
-              <a:t>6/15/2021</a:t>
+              <a:t>6/16/2021</a:t>
             </a:fld>
             <a:endParaRPr lang="en-US" dirty="0"/>
           </a:p>
@@ -2966,7 +2966,7 @@
             <a:fld id="{B61BEF0D-F0BB-DE4B-95CE-6DB70DBA9567}" type="datetimeFigureOut">
               <a:rPr lang="en-US" dirty="0"/>
               <a:pPr/>
-              <a:t>6/15/2021</a:t>
+              <a:t>6/16/2021</a:t>
             </a:fld>
             <a:endParaRPr lang="en-US" dirty="0"/>
           </a:p>
@@ -3210,7 +3210,7 @@
             <a:fld id="{B61BEF0D-F0BB-DE4B-95CE-6DB70DBA9567}" type="datetimeFigureOut">
               <a:rPr lang="en-US" dirty="0"/>
               <a:pPr/>
-              <a:t>6/15/2021</a:t>
+              <a:t>6/16/2021</a:t>
             </a:fld>
             <a:endParaRPr lang="en-US" dirty="0"/>
           </a:p>
@@ -3438,7 +3438,7 @@
           <a:p>
             <a:fld id="{EB712588-04B1-427B-82EE-E8DB90309F08}" type="datetimeFigureOut">
               <a:rPr lang="en-US" dirty="0"/>
-              <a:t>6/15/2021</a:t>
+              <a:t>6/16/2021</a:t>
             </a:fld>
             <a:endParaRPr lang="en-US" dirty="0"/>
           </a:p>
@@ -3808,7 +3808,7 @@
             <a:fld id="{B61BEF0D-F0BB-DE4B-95CE-6DB70DBA9567}" type="datetimeFigureOut">
               <a:rPr lang="en-US" dirty="0"/>
               <a:pPr/>
-              <a:t>6/15/2021</a:t>
+              <a:t>6/16/2021</a:t>
             </a:fld>
             <a:endParaRPr lang="en-US" dirty="0"/>
           </a:p>
@@ -3928,7 +3928,7 @@
             <a:fld id="{B61BEF0D-F0BB-DE4B-95CE-6DB70DBA9567}" type="datetimeFigureOut">
               <a:rPr lang="en-US" dirty="0"/>
               <a:pPr/>
-              <a:t>6/15/2021</a:t>
+              <a:t>6/16/2021</a:t>
             </a:fld>
             <a:endParaRPr lang="en-US" dirty="0"/>
           </a:p>
@@ -4020,7 +4020,7 @@
             <a:fld id="{B61BEF0D-F0BB-DE4B-95CE-6DB70DBA9567}" type="datetimeFigureOut">
               <a:rPr lang="en-US" dirty="0"/>
               <a:pPr/>
-              <a:t>6/15/2021</a:t>
+              <a:t>6/16/2021</a:t>
             </a:fld>
             <a:endParaRPr lang="en-US" dirty="0"/>
           </a:p>
@@ -4271,7 +4271,7 @@
           <a:p>
             <a:fld id="{42A54C80-263E-416B-A8E0-580EDEADCBDC}" type="datetimeFigureOut">
               <a:rPr lang="en-US" dirty="0"/>
-              <a:t>6/15/2021</a:t>
+              <a:t>6/16/2021</a:t>
             </a:fld>
             <a:endParaRPr lang="en-US" dirty="0"/>
           </a:p>
@@ -4530,7 +4530,7 @@
             <a:fld id="{B61BEF0D-F0BB-DE4B-95CE-6DB70DBA9567}" type="datetimeFigureOut">
               <a:rPr lang="en-US" dirty="0"/>
               <a:pPr/>
-              <a:t>6/15/2021</a:t>
+              <a:t>6/16/2021</a:t>
             </a:fld>
             <a:endParaRPr lang="en-US" dirty="0"/>
           </a:p>
@@ -5270,7 +5270,7 @@
             <a:fld id="{B61BEF0D-F0BB-DE4B-95CE-6DB70DBA9567}" type="datetimeFigureOut">
               <a:rPr lang="en-US" dirty="0"/>
               <a:pPr/>
-              <a:t>6/15/2021</a:t>
+              <a:t>6/16/2021</a:t>
             </a:fld>
             <a:endParaRPr lang="en-US" dirty="0"/>
           </a:p>
@@ -5839,93 +5839,6 @@
       </p:sp>
       <p:sp>
         <p:nvSpPr>
-          <p:cNvPr id="3" name="Sous-titre 2"/>
-          <p:cNvSpPr>
-            <a:spLocks noGrp="1"/>
-          </p:cNvSpPr>
-          <p:nvPr>
-            <p:ph type="subTitle" idx="1"/>
-          </p:nvPr>
-        </p:nvSpPr>
-        <p:spPr>
-          <a:xfrm>
-            <a:off x="233265" y="5761101"/>
-            <a:ext cx="10412963" cy="1096899"/>
-          </a:xfrm>
-        </p:spPr>
-        <p:txBody>
-          <a:bodyPr/>
-          <a:lstStyle/>
-          <a:p>
-            <a:pPr algn="ctr">
-              <a:spcBef>
-                <a:spcPts val="0"/>
-              </a:spcBef>
-            </a:pPr>
-            <a:r>
-              <a:rPr lang="fr-CA" b="1" dirty="0" smtClean="0"/>
-              <a:t>Sarah</a:t>
-            </a:r>
-            <a:r>
-              <a:rPr lang="fr-CA" b="1" dirty="0"/>
-              <a:t> </a:t>
-            </a:r>
-            <a:r>
-              <a:rPr lang="fr-CA" b="1" dirty="0" err="1" smtClean="0"/>
-              <a:t>Bauduin</a:t>
-            </a:r>
-            <a:r>
-              <a:rPr lang="fr-CA" b="1" dirty="0" smtClean="0"/>
-              <a:t> -</a:t>
-            </a:r>
-            <a:r>
-              <a:rPr lang="fr-CA" dirty="0" smtClean="0"/>
-              <a:t> Chargée de recherche à l’OFB</a:t>
-            </a:r>
-          </a:p>
-          <a:p>
-            <a:pPr algn="ctr">
-              <a:spcBef>
-                <a:spcPts val="0"/>
-              </a:spcBef>
-            </a:pPr>
-            <a:r>
-              <a:rPr lang="fr-CA" dirty="0" smtClean="0"/>
-              <a:t>Équipe Loup-Lynx, </a:t>
-            </a:r>
-            <a:r>
-              <a:rPr lang="fr-FR" dirty="0"/>
-              <a:t>Unité Prédateurs Animaux Déprédateurs et Exotiques</a:t>
-            </a:r>
-            <a:endParaRPr lang="fr-CA" dirty="0"/>
-          </a:p>
-        </p:txBody>
-      </p:sp>
-      <p:pic>
-        <p:nvPicPr>
-          <p:cNvPr id="5" name="Image 4"/>
-          <p:cNvPicPr>
-            <a:picLocks noChangeAspect="1"/>
-          </p:cNvPicPr>
-          <p:nvPr/>
-        </p:nvPicPr>
-        <p:blipFill rotWithShape="1">
-          <a:blip r:embed="rId2"/>
-          <a:srcRect l="22662" r="22503"/>
-          <a:stretch/>
-        </p:blipFill>
-        <p:spPr>
-          <a:xfrm>
-            <a:off x="233265" y="5390388"/>
-            <a:ext cx="1073020" cy="1467611"/>
-          </a:xfrm>
-          <a:prstGeom prst="rect">
-            <a:avLst/>
-          </a:prstGeom>
-        </p:spPr>
-      </p:pic>
-      <p:sp>
-        <p:nvSpPr>
           <p:cNvPr id="6" name="Sous-titre 2"/>
           <p:cNvSpPr txBox="1">
             <a:spLocks/>
@@ -6715,11 +6628,7 @@
             </a:r>
             <a:r>
               <a:rPr lang="fr-CA" dirty="0" smtClean="0"/>
-              <a:t> and for </a:t>
-            </a:r>
-            <a:r>
-              <a:rPr lang="fr-CA" dirty="0" smtClean="0"/>
-              <a:t>future </a:t>
+              <a:t> and for future </a:t>
             </a:r>
             <a:r>
               <a:rPr lang="fr-CA" dirty="0" err="1" smtClean="0"/>

--- a/slides/5_Publish.pptx
+++ b/slides/5_Publish.pptx
@@ -853,7 +853,7 @@
             <a:fld id="{B61BEF0D-F0BB-DE4B-95CE-6DB70DBA9567}" type="datetimeFigureOut">
               <a:rPr lang="en-US" dirty="0"/>
               <a:pPr/>
-              <a:t>6/16/2021</a:t>
+              <a:t>3/18/2022</a:t>
             </a:fld>
             <a:endParaRPr lang="en-US" dirty="0"/>
           </a:p>
@@ -1101,7 +1101,7 @@
             <a:fld id="{B61BEF0D-F0BB-DE4B-95CE-6DB70DBA9567}" type="datetimeFigureOut">
               <a:rPr lang="en-US" dirty="0"/>
               <a:pPr/>
-              <a:t>6/16/2021</a:t>
+              <a:t>3/18/2022</a:t>
             </a:fld>
             <a:endParaRPr lang="en-US" dirty="0"/>
           </a:p>
@@ -1412,7 +1412,7 @@
             <a:fld id="{B61BEF0D-F0BB-DE4B-95CE-6DB70DBA9567}" type="datetimeFigureOut">
               <a:rPr lang="en-US" dirty="0"/>
               <a:pPr/>
-              <a:t>6/16/2021</a:t>
+              <a:t>3/18/2022</a:t>
             </a:fld>
             <a:endParaRPr lang="en-US" dirty="0"/>
           </a:p>
@@ -1750,7 +1750,7 @@
             <a:fld id="{B61BEF0D-F0BB-DE4B-95CE-6DB70DBA9567}" type="datetimeFigureOut">
               <a:rPr lang="en-US" dirty="0"/>
               <a:pPr/>
-              <a:t>6/16/2021</a:t>
+              <a:t>3/18/2022</a:t>
             </a:fld>
             <a:endParaRPr lang="en-US" dirty="0"/>
           </a:p>
@@ -2061,7 +2061,7 @@
             <a:fld id="{B61BEF0D-F0BB-DE4B-95CE-6DB70DBA9567}" type="datetimeFigureOut">
               <a:rPr lang="en-US" dirty="0"/>
               <a:pPr/>
-              <a:t>6/16/2021</a:t>
+              <a:t>3/18/2022</a:t>
             </a:fld>
             <a:endParaRPr lang="en-US" dirty="0"/>
           </a:p>
@@ -2451,7 +2451,7 @@
             <a:fld id="{B61BEF0D-F0BB-DE4B-95CE-6DB70DBA9567}" type="datetimeFigureOut">
               <a:rPr lang="en-US" dirty="0"/>
               <a:pPr/>
-              <a:t>6/16/2021</a:t>
+              <a:t>3/18/2022</a:t>
             </a:fld>
             <a:endParaRPr lang="en-US" dirty="0"/>
           </a:p>
@@ -2617,7 +2617,7 @@
           <a:p>
             <a:fld id="{55C6B4A9-1611-4792-9094-5F34BCA07E0B}" type="datetimeFigureOut">
               <a:rPr lang="en-US" dirty="0"/>
-              <a:t>6/16/2021</a:t>
+              <a:t>3/18/2022</a:t>
             </a:fld>
             <a:endParaRPr lang="en-US" dirty="0"/>
           </a:p>
@@ -2793,7 +2793,7 @@
             <a:fld id="{B61BEF0D-F0BB-DE4B-95CE-6DB70DBA9567}" type="datetimeFigureOut">
               <a:rPr lang="en-US" dirty="0"/>
               <a:pPr/>
-              <a:t>6/16/2021</a:t>
+              <a:t>3/18/2022</a:t>
             </a:fld>
             <a:endParaRPr lang="en-US" dirty="0"/>
           </a:p>
@@ -2966,7 +2966,7 @@
             <a:fld id="{B61BEF0D-F0BB-DE4B-95CE-6DB70DBA9567}" type="datetimeFigureOut">
               <a:rPr lang="en-US" dirty="0"/>
               <a:pPr/>
-              <a:t>6/16/2021</a:t>
+              <a:t>3/18/2022</a:t>
             </a:fld>
             <a:endParaRPr lang="en-US" dirty="0"/>
           </a:p>
@@ -3210,7 +3210,7 @@
             <a:fld id="{B61BEF0D-F0BB-DE4B-95CE-6DB70DBA9567}" type="datetimeFigureOut">
               <a:rPr lang="en-US" dirty="0"/>
               <a:pPr/>
-              <a:t>6/16/2021</a:t>
+              <a:t>3/18/2022</a:t>
             </a:fld>
             <a:endParaRPr lang="en-US" dirty="0"/>
           </a:p>
@@ -3438,7 +3438,7 @@
           <a:p>
             <a:fld id="{EB712588-04B1-427B-82EE-E8DB90309F08}" type="datetimeFigureOut">
               <a:rPr lang="en-US" dirty="0"/>
-              <a:t>6/16/2021</a:t>
+              <a:t>3/18/2022</a:t>
             </a:fld>
             <a:endParaRPr lang="en-US" dirty="0"/>
           </a:p>
@@ -3808,7 +3808,7 @@
             <a:fld id="{B61BEF0D-F0BB-DE4B-95CE-6DB70DBA9567}" type="datetimeFigureOut">
               <a:rPr lang="en-US" dirty="0"/>
               <a:pPr/>
-              <a:t>6/16/2021</a:t>
+              <a:t>3/18/2022</a:t>
             </a:fld>
             <a:endParaRPr lang="en-US" dirty="0"/>
           </a:p>
@@ -3928,7 +3928,7 @@
             <a:fld id="{B61BEF0D-F0BB-DE4B-95CE-6DB70DBA9567}" type="datetimeFigureOut">
               <a:rPr lang="en-US" dirty="0"/>
               <a:pPr/>
-              <a:t>6/16/2021</a:t>
+              <a:t>3/18/2022</a:t>
             </a:fld>
             <a:endParaRPr lang="en-US" dirty="0"/>
           </a:p>
@@ -4020,7 +4020,7 @@
             <a:fld id="{B61BEF0D-F0BB-DE4B-95CE-6DB70DBA9567}" type="datetimeFigureOut">
               <a:rPr lang="en-US" dirty="0"/>
               <a:pPr/>
-              <a:t>6/16/2021</a:t>
+              <a:t>3/18/2022</a:t>
             </a:fld>
             <a:endParaRPr lang="en-US" dirty="0"/>
           </a:p>
@@ -4271,7 +4271,7 @@
           <a:p>
             <a:fld id="{42A54C80-263E-416B-A8E0-580EDEADCBDC}" type="datetimeFigureOut">
               <a:rPr lang="en-US" dirty="0"/>
-              <a:t>6/16/2021</a:t>
+              <a:t>3/18/2022</a:t>
             </a:fld>
             <a:endParaRPr lang="en-US" dirty="0"/>
           </a:p>
@@ -4530,7 +4530,7 @@
             <a:fld id="{B61BEF0D-F0BB-DE4B-95CE-6DB70DBA9567}" type="datetimeFigureOut">
               <a:rPr lang="en-US" dirty="0"/>
               <a:pPr/>
-              <a:t>6/16/2021</a:t>
+              <a:t>3/18/2022</a:t>
             </a:fld>
             <a:endParaRPr lang="en-US" dirty="0"/>
           </a:p>
@@ -5270,7 +5270,7 @@
             <a:fld id="{B61BEF0D-F0BB-DE4B-95CE-6DB70DBA9567}" type="datetimeFigureOut">
               <a:rPr lang="en-US" dirty="0"/>
               <a:pPr/>
-              <a:t>6/16/2021</a:t>
+              <a:t>3/18/2022</a:t>
             </a:fld>
             <a:endParaRPr lang="en-US" dirty="0"/>
           </a:p>
@@ -6207,7 +6207,7 @@
         <p:spPr>
           <a:xfrm>
             <a:off x="677334" y="609600"/>
-            <a:ext cx="4411033" cy="1320800"/>
+            <a:ext cx="5331580" cy="1320800"/>
           </a:xfrm>
         </p:spPr>
         <p:txBody>
@@ -6236,12 +6236,102 @@
             <p:ph idx="1"/>
           </p:nvPr>
         </p:nvSpPr>
-        <p:spPr/>
+        <p:spPr>
+          <a:xfrm>
+            <a:off x="677333" y="2160589"/>
+            <a:ext cx="5775717" cy="3880773"/>
+          </a:xfrm>
+        </p:spPr>
         <p:txBody>
           <a:bodyPr/>
           <a:lstStyle/>
           <a:p>
-            <a:endParaRPr lang="fr-CA"/>
+            <a:r>
+              <a:rPr lang="fr-CA" dirty="0" err="1" smtClean="0"/>
+              <a:t>Submodels</a:t>
+            </a:r>
+            <a:r>
+              <a:rPr lang="fr-CA" dirty="0" smtClean="0"/>
+              <a:t>:</a:t>
+            </a:r>
+          </a:p>
+          <a:p>
+            <a:pPr marL="0" indent="0">
+              <a:buNone/>
+            </a:pPr>
+            <a:r>
+              <a:rPr lang="fr-CA" dirty="0">
+                <a:hlinkClick r:id="rId2"/>
+              </a:rPr>
+              <a:t>https://</a:t>
+            </a:r>
+            <a:r>
+              <a:rPr lang="fr-CA" dirty="0" smtClean="0">
+                <a:hlinkClick r:id="rId2"/>
+              </a:rPr>
+              <a:t>github.com/SarahBauduin/appendix_wolfIBM/blob/master/R/submodels.R</a:t>
+            </a:r>
+            <a:endParaRPr lang="fr-CA" dirty="0" smtClean="0"/>
+          </a:p>
+          <a:p>
+            <a:pPr marL="0" indent="0">
+              <a:buNone/>
+            </a:pPr>
+            <a:endParaRPr lang="fr-CA" dirty="0"/>
+          </a:p>
+          <a:p>
+            <a:r>
+              <a:rPr lang="fr-CA" dirty="0" smtClean="0"/>
+              <a:t>Loop:</a:t>
+            </a:r>
+          </a:p>
+          <a:p>
+            <a:pPr marL="0" indent="0">
+              <a:buNone/>
+            </a:pPr>
+            <a:r>
+              <a:rPr lang="fr-CA" dirty="0">
+                <a:hlinkClick r:id="rId3"/>
+              </a:rPr>
+              <a:t>https://</a:t>
+            </a:r>
+            <a:r>
+              <a:rPr lang="fr-CA" dirty="0" smtClean="0">
+                <a:hlinkClick r:id="rId3"/>
+              </a:rPr>
+              <a:t>github.com/SarahBauduin/appendix_wolfIBM/blob/master/R/run.R</a:t>
+            </a:r>
+            <a:endParaRPr lang="fr-CA" dirty="0" smtClean="0"/>
+          </a:p>
+          <a:p>
+            <a:pPr marL="0" indent="0">
+              <a:buNone/>
+            </a:pPr>
+            <a:endParaRPr lang="fr-CA" dirty="0" smtClean="0"/>
+          </a:p>
+          <a:p>
+            <a:r>
+              <a:rPr lang="fr-CA" dirty="0" smtClean="0"/>
+              <a:t>ODD:</a:t>
+            </a:r>
+          </a:p>
+          <a:p>
+            <a:pPr marL="0" indent="0">
+              <a:buNone/>
+            </a:pPr>
+            <a:r>
+              <a:rPr lang="fr-CA" dirty="0">
+                <a:hlinkClick r:id="rId4" tooltip="Persistent link using digital object identifier"/>
+              </a:rPr>
+              <a:t>https://doi.org/10.1016/j.ecolmodel.2020.109209</a:t>
+            </a:r>
+            <a:endParaRPr lang="fr-CA" dirty="0" smtClean="0"/>
+          </a:p>
+          <a:p>
+            <a:pPr marL="0" indent="0">
+              <a:buNone/>
+            </a:pPr>
+            <a:endParaRPr lang="fr-CA" dirty="0"/>
           </a:p>
         </p:txBody>
       </p:sp>
@@ -6254,13 +6344,13 @@
           <p:nvPr/>
         </p:nvPicPr>
         <p:blipFill rotWithShape="1">
-          <a:blip r:embed="rId2"/>
+          <a:blip r:embed="rId5"/>
           <a:srcRect l="22325" t="17006" r="58519" b="14770"/>
           <a:stretch/>
         </p:blipFill>
         <p:spPr>
           <a:xfrm>
-            <a:off x="4569917" y="0"/>
+            <a:off x="6221835" y="-11036"/>
             <a:ext cx="3052167" cy="6793957"/>
           </a:xfrm>
           <a:prstGeom prst="rect">
@@ -6325,7 +6415,234 @@
   <p:timing>
     <p:tnLst>
       <p:par>
-        <p:cTn id="1" dur="indefinite" restart="never" nodeType="tmRoot"/>
+        <p:cTn id="1" dur="indefinite" restart="never" nodeType="tmRoot">
+          <p:childTnLst>
+            <p:seq concurrent="1" nextAc="seek">
+              <p:cTn id="2" dur="indefinite" nodeType="mainSeq">
+                <p:childTnLst>
+                  <p:par>
+                    <p:cTn id="3" fill="hold">
+                      <p:stCondLst>
+                        <p:cond delay="indefinite"/>
+                      </p:stCondLst>
+                      <p:childTnLst>
+                        <p:par>
+                          <p:cTn id="4" fill="hold">
+                            <p:stCondLst>
+                              <p:cond delay="0"/>
+                            </p:stCondLst>
+                            <p:childTnLst>
+                              <p:par>
+                                <p:cTn id="5" presetID="1" presetClass="entr" presetSubtype="0" fill="hold" nodeType="clickEffect">
+                                  <p:stCondLst>
+                                    <p:cond delay="0"/>
+                                  </p:stCondLst>
+                                  <p:childTnLst>
+                                    <p:set>
+                                      <p:cBhvr>
+                                        <p:cTn id="6" dur="1" fill="hold">
+                                          <p:stCondLst>
+                                            <p:cond delay="0"/>
+                                          </p:stCondLst>
+                                        </p:cTn>
+                                        <p:tgtEl>
+                                          <p:spTgt spid="3">
+                                            <p:txEl>
+                                              <p:pRg st="0" end="0"/>
+                                            </p:txEl>
+                                          </p:spTgt>
+                                        </p:tgtEl>
+                                        <p:attrNameLst>
+                                          <p:attrName>style.visibility</p:attrName>
+                                        </p:attrNameLst>
+                                      </p:cBhvr>
+                                      <p:to>
+                                        <p:strVal val="visible"/>
+                                      </p:to>
+                                    </p:set>
+                                  </p:childTnLst>
+                                </p:cTn>
+                              </p:par>
+                              <p:par>
+                                <p:cTn id="7" presetID="1" presetClass="entr" presetSubtype="0" fill="hold" nodeType="withEffect">
+                                  <p:stCondLst>
+                                    <p:cond delay="0"/>
+                                  </p:stCondLst>
+                                  <p:childTnLst>
+                                    <p:set>
+                                      <p:cBhvr>
+                                        <p:cTn id="8" dur="1" fill="hold">
+                                          <p:stCondLst>
+                                            <p:cond delay="0"/>
+                                          </p:stCondLst>
+                                        </p:cTn>
+                                        <p:tgtEl>
+                                          <p:spTgt spid="3">
+                                            <p:txEl>
+                                              <p:pRg st="1" end="1"/>
+                                            </p:txEl>
+                                          </p:spTgt>
+                                        </p:tgtEl>
+                                        <p:attrNameLst>
+                                          <p:attrName>style.visibility</p:attrName>
+                                        </p:attrNameLst>
+                                      </p:cBhvr>
+                                      <p:to>
+                                        <p:strVal val="visible"/>
+                                      </p:to>
+                                    </p:set>
+                                  </p:childTnLst>
+                                </p:cTn>
+                              </p:par>
+                              <p:par>
+                                <p:cTn id="9" presetID="1" presetClass="entr" presetSubtype="0" fill="hold" nodeType="withEffect">
+                                  <p:stCondLst>
+                                    <p:cond delay="0"/>
+                                  </p:stCondLst>
+                                  <p:childTnLst>
+                                    <p:set>
+                                      <p:cBhvr>
+                                        <p:cTn id="10" dur="1" fill="hold">
+                                          <p:stCondLst>
+                                            <p:cond delay="0"/>
+                                          </p:stCondLst>
+                                        </p:cTn>
+                                        <p:tgtEl>
+                                          <p:spTgt spid="3">
+                                            <p:txEl>
+                                              <p:pRg st="3" end="3"/>
+                                            </p:txEl>
+                                          </p:spTgt>
+                                        </p:tgtEl>
+                                        <p:attrNameLst>
+                                          <p:attrName>style.visibility</p:attrName>
+                                        </p:attrNameLst>
+                                      </p:cBhvr>
+                                      <p:to>
+                                        <p:strVal val="visible"/>
+                                      </p:to>
+                                    </p:set>
+                                  </p:childTnLst>
+                                </p:cTn>
+                              </p:par>
+                              <p:par>
+                                <p:cTn id="11" presetID="1" presetClass="entr" presetSubtype="0" fill="hold" nodeType="withEffect">
+                                  <p:stCondLst>
+                                    <p:cond delay="0"/>
+                                  </p:stCondLst>
+                                  <p:childTnLst>
+                                    <p:set>
+                                      <p:cBhvr>
+                                        <p:cTn id="12" dur="1" fill="hold">
+                                          <p:stCondLst>
+                                            <p:cond delay="0"/>
+                                          </p:stCondLst>
+                                        </p:cTn>
+                                        <p:tgtEl>
+                                          <p:spTgt spid="3">
+                                            <p:txEl>
+                                              <p:pRg st="4" end="4"/>
+                                            </p:txEl>
+                                          </p:spTgt>
+                                        </p:tgtEl>
+                                        <p:attrNameLst>
+                                          <p:attrName>style.visibility</p:attrName>
+                                        </p:attrNameLst>
+                                      </p:cBhvr>
+                                      <p:to>
+                                        <p:strVal val="visible"/>
+                                      </p:to>
+                                    </p:set>
+                                  </p:childTnLst>
+                                </p:cTn>
+                              </p:par>
+                              <p:par>
+                                <p:cTn id="13" presetID="1" presetClass="entr" presetSubtype="0" fill="hold" nodeType="withEffect">
+                                  <p:stCondLst>
+                                    <p:cond delay="0"/>
+                                  </p:stCondLst>
+                                  <p:childTnLst>
+                                    <p:set>
+                                      <p:cBhvr>
+                                        <p:cTn id="14" dur="1" fill="hold">
+                                          <p:stCondLst>
+                                            <p:cond delay="0"/>
+                                          </p:stCondLst>
+                                        </p:cTn>
+                                        <p:tgtEl>
+                                          <p:spTgt spid="3">
+                                            <p:txEl>
+                                              <p:pRg st="6" end="6"/>
+                                            </p:txEl>
+                                          </p:spTgt>
+                                        </p:tgtEl>
+                                        <p:attrNameLst>
+                                          <p:attrName>style.visibility</p:attrName>
+                                        </p:attrNameLst>
+                                      </p:cBhvr>
+                                      <p:to>
+                                        <p:strVal val="visible"/>
+                                      </p:to>
+                                    </p:set>
+                                  </p:childTnLst>
+                                </p:cTn>
+                              </p:par>
+                              <p:par>
+                                <p:cTn id="15" presetID="1" presetClass="entr" presetSubtype="0" fill="hold" nodeType="withEffect">
+                                  <p:stCondLst>
+                                    <p:cond delay="0"/>
+                                  </p:stCondLst>
+                                  <p:childTnLst>
+                                    <p:set>
+                                      <p:cBhvr>
+                                        <p:cTn id="16" dur="1" fill="hold">
+                                          <p:stCondLst>
+                                            <p:cond delay="0"/>
+                                          </p:stCondLst>
+                                        </p:cTn>
+                                        <p:tgtEl>
+                                          <p:spTgt spid="3">
+                                            <p:txEl>
+                                              <p:pRg st="7" end="7"/>
+                                            </p:txEl>
+                                          </p:spTgt>
+                                        </p:tgtEl>
+                                        <p:attrNameLst>
+                                          <p:attrName>style.visibility</p:attrName>
+                                        </p:attrNameLst>
+                                      </p:cBhvr>
+                                      <p:to>
+                                        <p:strVal val="visible"/>
+                                      </p:to>
+                                    </p:set>
+                                  </p:childTnLst>
+                                </p:cTn>
+                              </p:par>
+                            </p:childTnLst>
+                          </p:cTn>
+                        </p:par>
+                      </p:childTnLst>
+                    </p:cTn>
+                  </p:par>
+                </p:childTnLst>
+              </p:cTn>
+              <p:prevCondLst>
+                <p:cond evt="onPrev" delay="0">
+                  <p:tgtEl>
+                    <p:sldTgt/>
+                  </p:tgtEl>
+                </p:cond>
+              </p:prevCondLst>
+              <p:nextCondLst>
+                <p:cond evt="onNext" delay="0">
+                  <p:tgtEl>
+                    <p:sldTgt/>
+                  </p:tgtEl>
+                </p:cond>
+              </p:nextCondLst>
+            </p:seq>
+          </p:childTnLst>
+        </p:cTn>
       </p:par>
     </p:tnLst>
   </p:timing>
